--- a/Other/Codename flaming zebras.pptx
+++ b/Other/Codename flaming zebras.pptx
@@ -295,7 +295,7 @@
           <a:p>
             <a:fld id="{D1397DF7-0E17-48A2-B10A-BF75F6C7B3BE}" type="datetimeFigureOut">
               <a:rPr lang="en-CA" smtClean="0"/>
-              <a:t>11/09/2014</a:t>
+              <a:t>2014-09-14</a:t>
             </a:fld>
             <a:endParaRPr lang="en-CA"/>
           </a:p>
@@ -465,7 +465,7 @@
           <a:p>
             <a:fld id="{D1397DF7-0E17-48A2-B10A-BF75F6C7B3BE}" type="datetimeFigureOut">
               <a:rPr lang="en-CA" smtClean="0"/>
-              <a:t>11/09/2014</a:t>
+              <a:t>2014-09-14</a:t>
             </a:fld>
             <a:endParaRPr lang="en-CA"/>
           </a:p>
@@ -645,7 +645,7 @@
           <a:p>
             <a:fld id="{D1397DF7-0E17-48A2-B10A-BF75F6C7B3BE}" type="datetimeFigureOut">
               <a:rPr lang="en-CA" smtClean="0"/>
-              <a:t>11/09/2014</a:t>
+              <a:t>2014-09-14</a:t>
             </a:fld>
             <a:endParaRPr lang="en-CA"/>
           </a:p>
@@ -815,7 +815,7 @@
           <a:p>
             <a:fld id="{D1397DF7-0E17-48A2-B10A-BF75F6C7B3BE}" type="datetimeFigureOut">
               <a:rPr lang="en-CA" smtClean="0"/>
-              <a:t>11/09/2014</a:t>
+              <a:t>2014-09-14</a:t>
             </a:fld>
             <a:endParaRPr lang="en-CA"/>
           </a:p>
@@ -1061,7 +1061,7 @@
           <a:p>
             <a:fld id="{D1397DF7-0E17-48A2-B10A-BF75F6C7B3BE}" type="datetimeFigureOut">
               <a:rPr lang="en-CA" smtClean="0"/>
-              <a:t>11/09/2014</a:t>
+              <a:t>2014-09-14</a:t>
             </a:fld>
             <a:endParaRPr lang="en-CA"/>
           </a:p>
@@ -1349,7 +1349,7 @@
           <a:p>
             <a:fld id="{D1397DF7-0E17-48A2-B10A-BF75F6C7B3BE}" type="datetimeFigureOut">
               <a:rPr lang="en-CA" smtClean="0"/>
-              <a:t>11/09/2014</a:t>
+              <a:t>2014-09-14</a:t>
             </a:fld>
             <a:endParaRPr lang="en-CA"/>
           </a:p>
@@ -1771,7 +1771,7 @@
           <a:p>
             <a:fld id="{D1397DF7-0E17-48A2-B10A-BF75F6C7B3BE}" type="datetimeFigureOut">
               <a:rPr lang="en-CA" smtClean="0"/>
-              <a:t>11/09/2014</a:t>
+              <a:t>2014-09-14</a:t>
             </a:fld>
             <a:endParaRPr lang="en-CA"/>
           </a:p>
@@ -1889,7 +1889,7 @@
           <a:p>
             <a:fld id="{D1397DF7-0E17-48A2-B10A-BF75F6C7B3BE}" type="datetimeFigureOut">
               <a:rPr lang="en-CA" smtClean="0"/>
-              <a:t>11/09/2014</a:t>
+              <a:t>2014-09-14</a:t>
             </a:fld>
             <a:endParaRPr lang="en-CA"/>
           </a:p>
@@ -1984,7 +1984,7 @@
           <a:p>
             <a:fld id="{D1397DF7-0E17-48A2-B10A-BF75F6C7B3BE}" type="datetimeFigureOut">
               <a:rPr lang="en-CA" smtClean="0"/>
-              <a:t>11/09/2014</a:t>
+              <a:t>2014-09-14</a:t>
             </a:fld>
             <a:endParaRPr lang="en-CA"/>
           </a:p>
@@ -2261,7 +2261,7 @@
           <a:p>
             <a:fld id="{D1397DF7-0E17-48A2-B10A-BF75F6C7B3BE}" type="datetimeFigureOut">
               <a:rPr lang="en-CA" smtClean="0"/>
-              <a:t>11/09/2014</a:t>
+              <a:t>2014-09-14</a:t>
             </a:fld>
             <a:endParaRPr lang="en-CA"/>
           </a:p>
@@ -2514,7 +2514,7 @@
           <a:p>
             <a:fld id="{D1397DF7-0E17-48A2-B10A-BF75F6C7B3BE}" type="datetimeFigureOut">
               <a:rPr lang="en-CA" smtClean="0"/>
-              <a:t>11/09/2014</a:t>
+              <a:t>2014-09-14</a:t>
             </a:fld>
             <a:endParaRPr lang="en-CA"/>
           </a:p>
@@ -2727,7 +2727,7 @@
           <a:p>
             <a:fld id="{D1397DF7-0E17-48A2-B10A-BF75F6C7B3BE}" type="datetimeFigureOut">
               <a:rPr lang="en-CA" smtClean="0"/>
-              <a:t>11/09/2014</a:t>
+              <a:t>2014-09-14</a:t>
             </a:fld>
             <a:endParaRPr lang="en-CA"/>
           </a:p>
@@ -3223,6 +3223,13 @@
   <p:clrMapOvr>
     <a:masterClrMapping/>
   </p:clrMapOvr>
+  <p:timing>
+    <p:tnLst>
+      <p:par>
+        <p:cTn id="1" dur="indefinite" restart="never" nodeType="tmRoot"/>
+      </p:par>
+    </p:tnLst>
+  </p:timing>
 </p:sld>
 </file>
 
@@ -3285,15 +3292,7 @@
           <a:p>
             <a:r>
               <a:rPr lang="en-US" dirty="0" smtClean="0"/>
-              <a:t>Brave adventurers enter a strange temple </a:t>
-            </a:r>
-            <a:r>
-              <a:rPr lang="en-US" dirty="0" smtClean="0"/>
-              <a:t>seeking </a:t>
-            </a:r>
-            <a:r>
-              <a:rPr lang="en-US" dirty="0" smtClean="0"/>
-              <a:t>treasure.</a:t>
+              <a:t>Brave adventurers enter a strange temple seeking treasure.</a:t>
             </a:r>
           </a:p>
           <a:p>
@@ -3305,15 +3304,23 @@
           <a:p>
             <a:r>
               <a:rPr lang="en-US" dirty="0" smtClean="0"/>
-              <a:t>The strange power of the temple </a:t>
-            </a:r>
-            <a:r>
-              <a:rPr lang="en-US" dirty="0" smtClean="0"/>
-              <a:t>resurrect </a:t>
-            </a:r>
-            <a:r>
-              <a:rPr lang="en-US" dirty="0" smtClean="0"/>
-              <a:t>them to fight each other again and again…   for all time.</a:t>
+              <a:t>The strange </a:t>
+            </a:r>
+            <a:r>
+              <a:rPr lang="en-US" dirty="0" smtClean="0"/>
+              <a:t>powers </a:t>
+            </a:r>
+            <a:r>
+              <a:rPr lang="en-US" dirty="0" smtClean="0"/>
+              <a:t>of the temple </a:t>
+            </a:r>
+            <a:r>
+              <a:rPr lang="en-US" dirty="0" smtClean="0"/>
+              <a:t>resurrect them </a:t>
+            </a:r>
+            <a:r>
+              <a:rPr lang="en-US" dirty="0" smtClean="0"/>
+              <a:t>to fight each other again and again…   for all time.</a:t>
             </a:r>
             <a:endParaRPr lang="en-CA" dirty="0"/>
           </a:p>
@@ -3329,6 +3336,13 @@
   <p:clrMapOvr>
     <a:masterClrMapping/>
   </p:clrMapOvr>
+  <p:timing>
+    <p:tnLst>
+      <p:par>
+        <p:cTn id="1" dur="indefinite" restart="never" nodeType="tmRoot"/>
+      </p:par>
+    </p:tnLst>
+  </p:timing>
 </p:sld>
 </file>
 
@@ -3463,6 +3477,13 @@
   <p:clrMapOvr>
     <a:masterClrMapping/>
   </p:clrMapOvr>
+  <p:timing>
+    <p:tnLst>
+      <p:par>
+        <p:cTn id="1" dur="indefinite" restart="never" nodeType="tmRoot"/>
+      </p:par>
+    </p:tnLst>
+  </p:timing>
 </p:sld>
 </file>
 
@@ -3602,6 +3623,13 @@
   <p:clrMapOvr>
     <a:masterClrMapping/>
   </p:clrMapOvr>
+  <p:timing>
+    <p:tnLst>
+      <p:par>
+        <p:cTn id="1" dur="indefinite" restart="never" nodeType="tmRoot"/>
+      </p:par>
+    </p:tnLst>
+  </p:timing>
 </p:sld>
 </file>
 
@@ -3718,6 +3746,13 @@
   <p:clrMapOvr>
     <a:masterClrMapping/>
   </p:clrMapOvr>
+  <p:timing>
+    <p:tnLst>
+      <p:par>
+        <p:cTn id="1" dur="indefinite" restart="never" nodeType="tmRoot"/>
+      </p:par>
+    </p:tnLst>
+  </p:timing>
 </p:sld>
 </file>
 
@@ -3785,7 +3820,11 @@
           <a:p>
             <a:r>
               <a:rPr lang="en-US" dirty="0" smtClean="0"/>
-              <a:t>4-Player split screen free-for-all arena</a:t>
+              <a:t>4-Player free-for-all </a:t>
+            </a:r>
+            <a:r>
+              <a:rPr lang="en-US" dirty="0" smtClean="0"/>
+              <a:t>arena</a:t>
             </a:r>
           </a:p>
           <a:p>
@@ -3805,30 +3844,51 @@
               <a:rPr lang="en-US" dirty="0" smtClean="0"/>
               <a:t>stages</a:t>
             </a:r>
-          </a:p>
-          <a:p>
-            <a:r>
-              <a:rPr lang="en-US" dirty="0" smtClean="0"/>
-              <a:t>AI enemies guarding hoards of gold</a:t>
-            </a:r>
-          </a:p>
-          <a:p>
-            <a:r>
-              <a:rPr lang="en-US" dirty="0" smtClean="0"/>
-              <a:t>Multiple weapons with various counter-play opportunities</a:t>
-            </a:r>
-          </a:p>
-          <a:p>
-            <a:r>
-              <a:rPr lang="en-US" dirty="0" smtClean="0"/>
-              <a:t>Gold is both the shop currency, and the point system that wins the game. (value tradeoff)</a:t>
-            </a:r>
             <a:endParaRPr lang="en-US" dirty="0" smtClean="0"/>
           </a:p>
           <a:p>
             <a:r>
+              <a:rPr lang="en-US" dirty="0" smtClean="0"/>
+              <a:t>Gold </a:t>
+            </a:r>
+            <a:r>
+              <a:rPr lang="en-US" dirty="0" smtClean="0"/>
+              <a:t>is both the shop currency, and the point system that wins the game. (value tradeoff</a:t>
+            </a:r>
+            <a:r>
+              <a:rPr lang="en-US" dirty="0" smtClean="0"/>
+              <a:t>)</a:t>
+            </a:r>
+          </a:p>
+          <a:p>
+            <a:r>
               <a:rPr lang="en-US" dirty="0"/>
-              <a:t>Frenetic combat is </a:t>
+              <a:t>AI enemies guarding hoards of </a:t>
+            </a:r>
+            <a:r>
+              <a:rPr lang="en-US" dirty="0" smtClean="0"/>
+              <a:t>gold</a:t>
+            </a:r>
+          </a:p>
+          <a:p>
+            <a:r>
+              <a:rPr lang="en-US" dirty="0"/>
+              <a:t>Multiple weapons with various counter-play </a:t>
+            </a:r>
+            <a:r>
+              <a:rPr lang="en-US" dirty="0" smtClean="0"/>
+              <a:t>opportunities</a:t>
+            </a:r>
+            <a:endParaRPr lang="en-US" dirty="0" smtClean="0"/>
+          </a:p>
+          <a:p>
+            <a:r>
+              <a:rPr lang="en-US" dirty="0" smtClean="0"/>
+              <a:t>Frenetic </a:t>
+            </a:r>
+            <a:r>
+              <a:rPr lang="en-US" dirty="0"/>
+              <a:t>combat is </a:t>
             </a:r>
             <a:r>
               <a:rPr lang="en-US" dirty="0" smtClean="0"/>
@@ -3848,14 +3908,36 @@
             </a:r>
             <a:r>
               <a:rPr lang="en-CA" dirty="0" smtClean="0"/>
-              <a:t>as players clash for short periods throughout the game.</a:t>
-            </a:r>
-          </a:p>
-          <a:p>
+              <a:t>as players clash for short periods throughout the </a:t>
+            </a:r>
             <a:r>
               <a:rPr lang="en-CA" dirty="0" smtClean="0"/>
-              <a:t>Final free-for-all slugfest to decide winner.</a:t>
-            </a:r>
+              <a:t>game</a:t>
+            </a:r>
+            <a:endParaRPr lang="en-CA" dirty="0" smtClean="0"/>
+          </a:p>
+          <a:p>
+            <a:r>
+              <a:rPr lang="en-CA" dirty="0" smtClean="0"/>
+              <a:t>Final </a:t>
+            </a:r>
+            <a:r>
+              <a:rPr lang="en-CA" dirty="0" smtClean="0"/>
+              <a:t>single area battle </a:t>
+            </a:r>
+            <a:r>
+              <a:rPr lang="en-CA" dirty="0" err="1" smtClean="0"/>
+              <a:t>royale</a:t>
+            </a:r>
+            <a:r>
+              <a:rPr lang="en-CA" dirty="0" smtClean="0"/>
+              <a:t> with only </a:t>
+            </a:r>
+            <a:r>
+              <a:rPr lang="en-CA" smtClean="0"/>
+              <a:t>PvP</a:t>
+            </a:r>
+            <a:endParaRPr lang="en-CA" dirty="0" smtClean="0"/>
           </a:p>
         </p:txBody>
       </p:sp>
@@ -3869,6 +3951,13 @@
   <p:clrMapOvr>
     <a:masterClrMapping/>
   </p:clrMapOvr>
+  <p:timing>
+    <p:tnLst>
+      <p:par>
+        <p:cTn id="1" dur="indefinite" restart="never" nodeType="tmRoot"/>
+      </p:par>
+    </p:tnLst>
+  </p:timing>
 </p:sld>
 </file>
 
@@ -3974,11 +4063,11 @@
           <a:p>
             <a:r>
               <a:rPr lang="en-US" dirty="0" smtClean="0"/>
-              <a:t>4 different weapons with radically different behavior and logic, from lasers to smart-</a:t>
-            </a:r>
-            <a:r>
-              <a:rPr lang="en-US" dirty="0" err="1" smtClean="0"/>
-              <a:t>missles</a:t>
+              <a:t>4 different weapons with radically different behavior and logic, from lasers to </a:t>
+            </a:r>
+            <a:r>
+              <a:rPr lang="en-US" dirty="0" smtClean="0"/>
+              <a:t>smart-missiles</a:t>
             </a:r>
             <a:endParaRPr lang="en-US" dirty="0"/>
           </a:p>
@@ -3994,6 +4083,13 @@
   <p:clrMapOvr>
     <a:masterClrMapping/>
   </p:clrMapOvr>
+  <p:timing>
+    <p:tnLst>
+      <p:par>
+        <p:cTn id="1" dur="indefinite" restart="never" nodeType="tmRoot"/>
+      </p:par>
+    </p:tnLst>
+  </p:timing>
 </p:sld>
 </file>
 
@@ -4099,11 +4195,15 @@
           <a:p>
             <a:r>
               <a:rPr lang="en-US" dirty="0" smtClean="0"/>
-              <a:t>We are the dedicated team who is willing to pour our best effort and ideas into making this </a:t>
-            </a:r>
-            <a:r>
-              <a:rPr lang="en-US" smtClean="0"/>
-              <a:t>game truly shine.</a:t>
+              <a:t>We are the dedicated team </a:t>
+            </a:r>
+            <a:r>
+              <a:rPr lang="en-US" dirty="0" smtClean="0"/>
+              <a:t>that is willing </a:t>
+            </a:r>
+            <a:r>
+              <a:rPr lang="en-US" dirty="0" smtClean="0"/>
+              <a:t>to pour our best effort and ideas into making this game truly shine.</a:t>
             </a:r>
             <a:endParaRPr lang="en-US" dirty="0"/>
           </a:p>
@@ -4119,6 +4219,13 @@
   <p:clrMapOvr>
     <a:masterClrMapping/>
   </p:clrMapOvr>
+  <p:timing>
+    <p:tnLst>
+      <p:par>
+        <p:cTn id="1" dur="indefinite" restart="never" nodeType="tmRoot"/>
+      </p:par>
+    </p:tnLst>
+  </p:timing>
 </p:sld>
 </file>
 

--- a/Other/Codename flaming zebras.pptx
+++ b/Other/Codename flaming zebras.pptx
@@ -295,7 +295,7 @@
           <a:p>
             <a:fld id="{D1397DF7-0E17-48A2-B10A-BF75F6C7B3BE}" type="datetimeFigureOut">
               <a:rPr lang="en-CA" smtClean="0"/>
-              <a:t>2014-09-14</a:t>
+              <a:t>15/09/2014</a:t>
             </a:fld>
             <a:endParaRPr lang="en-CA"/>
           </a:p>
@@ -465,7 +465,7 @@
           <a:p>
             <a:fld id="{D1397DF7-0E17-48A2-B10A-BF75F6C7B3BE}" type="datetimeFigureOut">
               <a:rPr lang="en-CA" smtClean="0"/>
-              <a:t>2014-09-14</a:t>
+              <a:t>15/09/2014</a:t>
             </a:fld>
             <a:endParaRPr lang="en-CA"/>
           </a:p>
@@ -645,7 +645,7 @@
           <a:p>
             <a:fld id="{D1397DF7-0E17-48A2-B10A-BF75F6C7B3BE}" type="datetimeFigureOut">
               <a:rPr lang="en-CA" smtClean="0"/>
-              <a:t>2014-09-14</a:t>
+              <a:t>15/09/2014</a:t>
             </a:fld>
             <a:endParaRPr lang="en-CA"/>
           </a:p>
@@ -815,7 +815,7 @@
           <a:p>
             <a:fld id="{D1397DF7-0E17-48A2-B10A-BF75F6C7B3BE}" type="datetimeFigureOut">
               <a:rPr lang="en-CA" smtClean="0"/>
-              <a:t>2014-09-14</a:t>
+              <a:t>15/09/2014</a:t>
             </a:fld>
             <a:endParaRPr lang="en-CA"/>
           </a:p>
@@ -1061,7 +1061,7 @@
           <a:p>
             <a:fld id="{D1397DF7-0E17-48A2-B10A-BF75F6C7B3BE}" type="datetimeFigureOut">
               <a:rPr lang="en-CA" smtClean="0"/>
-              <a:t>2014-09-14</a:t>
+              <a:t>15/09/2014</a:t>
             </a:fld>
             <a:endParaRPr lang="en-CA"/>
           </a:p>
@@ -1349,7 +1349,7 @@
           <a:p>
             <a:fld id="{D1397DF7-0E17-48A2-B10A-BF75F6C7B3BE}" type="datetimeFigureOut">
               <a:rPr lang="en-CA" smtClean="0"/>
-              <a:t>2014-09-14</a:t>
+              <a:t>15/09/2014</a:t>
             </a:fld>
             <a:endParaRPr lang="en-CA"/>
           </a:p>
@@ -1771,7 +1771,7 @@
           <a:p>
             <a:fld id="{D1397DF7-0E17-48A2-B10A-BF75F6C7B3BE}" type="datetimeFigureOut">
               <a:rPr lang="en-CA" smtClean="0"/>
-              <a:t>2014-09-14</a:t>
+              <a:t>15/09/2014</a:t>
             </a:fld>
             <a:endParaRPr lang="en-CA"/>
           </a:p>
@@ -1889,7 +1889,7 @@
           <a:p>
             <a:fld id="{D1397DF7-0E17-48A2-B10A-BF75F6C7B3BE}" type="datetimeFigureOut">
               <a:rPr lang="en-CA" smtClean="0"/>
-              <a:t>2014-09-14</a:t>
+              <a:t>15/09/2014</a:t>
             </a:fld>
             <a:endParaRPr lang="en-CA"/>
           </a:p>
@@ -1984,7 +1984,7 @@
           <a:p>
             <a:fld id="{D1397DF7-0E17-48A2-B10A-BF75F6C7B3BE}" type="datetimeFigureOut">
               <a:rPr lang="en-CA" smtClean="0"/>
-              <a:t>2014-09-14</a:t>
+              <a:t>15/09/2014</a:t>
             </a:fld>
             <a:endParaRPr lang="en-CA"/>
           </a:p>
@@ -2261,7 +2261,7 @@
           <a:p>
             <a:fld id="{D1397DF7-0E17-48A2-B10A-BF75F6C7B3BE}" type="datetimeFigureOut">
               <a:rPr lang="en-CA" smtClean="0"/>
-              <a:t>2014-09-14</a:t>
+              <a:t>15/09/2014</a:t>
             </a:fld>
             <a:endParaRPr lang="en-CA"/>
           </a:p>
@@ -2514,7 +2514,7 @@
           <a:p>
             <a:fld id="{D1397DF7-0E17-48A2-B10A-BF75F6C7B3BE}" type="datetimeFigureOut">
               <a:rPr lang="en-CA" smtClean="0"/>
-              <a:t>2014-09-14</a:t>
+              <a:t>15/09/2014</a:t>
             </a:fld>
             <a:endParaRPr lang="en-CA"/>
           </a:p>
@@ -2727,7 +2727,7 @@
           <a:p>
             <a:fld id="{D1397DF7-0E17-48A2-B10A-BF75F6C7B3BE}" type="datetimeFigureOut">
               <a:rPr lang="en-CA" smtClean="0"/>
-              <a:t>2014-09-14</a:t>
+              <a:t>15/09/2014</a:t>
             </a:fld>
             <a:endParaRPr lang="en-CA"/>
           </a:p>
@@ -3304,23 +3304,7 @@
           <a:p>
             <a:r>
               <a:rPr lang="en-US" dirty="0" smtClean="0"/>
-              <a:t>The strange </a:t>
-            </a:r>
-            <a:r>
-              <a:rPr lang="en-US" dirty="0" smtClean="0"/>
-              <a:t>powers </a:t>
-            </a:r>
-            <a:r>
-              <a:rPr lang="en-US" dirty="0" smtClean="0"/>
-              <a:t>of the temple </a:t>
-            </a:r>
-            <a:r>
-              <a:rPr lang="en-US" dirty="0" smtClean="0"/>
-              <a:t>resurrect them </a:t>
-            </a:r>
-            <a:r>
-              <a:rPr lang="en-US" dirty="0" smtClean="0"/>
-              <a:t>to fight each other again and again…   for all time.</a:t>
+              <a:t>The strange powers of the temple resurrect them to fight each other again and again…   for all time.</a:t>
             </a:r>
             <a:endParaRPr lang="en-CA" dirty="0"/>
           </a:p>
@@ -3447,7 +3431,11 @@
           <a:p>
             <a:r>
               <a:rPr lang="en-US" dirty="0" smtClean="0"/>
-              <a:t>This is the sort of “Casual”-Hardcore game that might be associated with games like </a:t>
+              <a:t>The </a:t>
+            </a:r>
+            <a:r>
+              <a:rPr lang="en-US" dirty="0" smtClean="0"/>
+              <a:t>sort of “Casual”-Hardcore game that might be associated with games like </a:t>
             </a:r>
             <a:r>
               <a:rPr lang="en-US" dirty="0" err="1" smtClean="0"/>
@@ -3820,11 +3808,7 @@
           <a:p>
             <a:r>
               <a:rPr lang="en-US" dirty="0" smtClean="0"/>
-              <a:t>4-Player free-for-all </a:t>
-            </a:r>
-            <a:r>
-              <a:rPr lang="en-US" dirty="0" smtClean="0"/>
-              <a:t>arena</a:t>
+              <a:t>4-Player free-for-all arena</a:t>
             </a:r>
           </a:p>
           <a:p>
@@ -3838,26 +3822,13 @@
             </a:r>
             <a:r>
               <a:rPr lang="en-US" dirty="0" smtClean="0"/>
-              <a:t> </a:t>
-            </a:r>
+              <a:t> stages</a:t>
+            </a:r>
+          </a:p>
+          <a:p>
             <a:r>
               <a:rPr lang="en-US" dirty="0" smtClean="0"/>
-              <a:t>stages</a:t>
-            </a:r>
-            <a:endParaRPr lang="en-US" dirty="0" smtClean="0"/>
-          </a:p>
-          <a:p>
-            <a:r>
-              <a:rPr lang="en-US" dirty="0" smtClean="0"/>
-              <a:t>Gold </a:t>
-            </a:r>
-            <a:r>
-              <a:rPr lang="en-US" dirty="0" smtClean="0"/>
-              <a:t>is both the shop currency, and the point system that wins the game. (value tradeoff</a:t>
-            </a:r>
-            <a:r>
-              <a:rPr lang="en-US" dirty="0" smtClean="0"/>
-              <a:t>)</a:t>
+              <a:t>Gold is both the shop currency, and the point system that wins the game. (value tradeoff)</a:t>
             </a:r>
           </a:p>
           <a:p>
@@ -3879,7 +3850,6 @@
               <a:rPr lang="en-US" dirty="0" smtClean="0"/>
               <a:t>opportunities</a:t>
             </a:r>
-            <a:endParaRPr lang="en-US" dirty="0" smtClean="0"/>
           </a:p>
           <a:p>
             <a:r>
@@ -3908,22 +3878,13 @@
             </a:r>
             <a:r>
               <a:rPr lang="en-CA" dirty="0" smtClean="0"/>
-              <a:t>as players clash for short periods throughout the </a:t>
-            </a:r>
+              <a:t>as players clash for short periods throughout the game</a:t>
+            </a:r>
+          </a:p>
+          <a:p>
             <a:r>
               <a:rPr lang="en-CA" dirty="0" smtClean="0"/>
-              <a:t>game</a:t>
-            </a:r>
-            <a:endParaRPr lang="en-CA" dirty="0" smtClean="0"/>
-          </a:p>
-          <a:p>
-            <a:r>
-              <a:rPr lang="en-CA" dirty="0" smtClean="0"/>
-              <a:t>Final </a:t>
-            </a:r>
-            <a:r>
-              <a:rPr lang="en-CA" dirty="0" smtClean="0"/>
-              <a:t>single area battle </a:t>
+              <a:t>Final single area battle </a:t>
             </a:r>
             <a:r>
               <a:rPr lang="en-CA" dirty="0" err="1" smtClean="0"/>
@@ -4025,7 +3986,18 @@
           <a:p>
             <a:r>
               <a:rPr lang="en-US" dirty="0" smtClean="0"/>
-              <a:t>Interesting monster AI behavior (no AI players)</a:t>
+              <a:t>Most of the code Resources</a:t>
+            </a:r>
+            <a:endParaRPr lang="en-US" dirty="0" smtClean="0"/>
+          </a:p>
+          <a:p>
+            <a:r>
+              <a:rPr lang="en-US" dirty="0" smtClean="0"/>
+              <a:t>Interesting </a:t>
+            </a:r>
+            <a:r>
+              <a:rPr lang="en-US" dirty="0" smtClean="0"/>
+              <a:t>monster AI behavior (no AI players)</a:t>
             </a:r>
           </a:p>
           <a:p>
@@ -4043,31 +4015,17 @@
           <a:p>
             <a:r>
               <a:rPr lang="en-US" dirty="0" smtClean="0"/>
-              <a:t>In-game </a:t>
-            </a:r>
-            <a:r>
-              <a:rPr lang="en-US" dirty="0"/>
-              <a:t>d</a:t>
+              <a:t>4 </a:t>
             </a:r>
             <a:r>
               <a:rPr lang="en-US" dirty="0" smtClean="0"/>
-              <a:t>ynamic shop worked into play area</a:t>
+              <a:t>player split-screen switching to single-screen for final battle (individual player cameras)</a:t>
             </a:r>
           </a:p>
           <a:p>
             <a:r>
               <a:rPr lang="en-US" dirty="0" smtClean="0"/>
-              <a:t>4 player split-screen switching to single-screen for final battle (individual player cameras)</a:t>
-            </a:r>
-          </a:p>
-          <a:p>
-            <a:r>
-              <a:rPr lang="en-US" dirty="0" smtClean="0"/>
-              <a:t>4 different weapons with radically different behavior and logic, from lasers to </a:t>
-            </a:r>
-            <a:r>
-              <a:rPr lang="en-US" dirty="0" smtClean="0"/>
-              <a:t>smart-missiles</a:t>
+              <a:t>4 different weapons with radically different behavior and logic, from lasers to smart-missiles</a:t>
             </a:r>
             <a:endParaRPr lang="en-US" dirty="0"/>
           </a:p>
@@ -4195,15 +4153,7 @@
           <a:p>
             <a:r>
               <a:rPr lang="en-US" dirty="0" smtClean="0"/>
-              <a:t>We are the dedicated team </a:t>
-            </a:r>
-            <a:r>
-              <a:rPr lang="en-US" dirty="0" smtClean="0"/>
-              <a:t>that is willing </a:t>
-            </a:r>
-            <a:r>
-              <a:rPr lang="en-US" dirty="0" smtClean="0"/>
-              <a:t>to pour our best effort and ideas into making this game truly shine.</a:t>
+              <a:t>We are the dedicated team that is willing to pour our best effort and ideas into making this game truly shine.</a:t>
             </a:r>
             <a:endParaRPr lang="en-US" dirty="0"/>
           </a:p>
